--- a/report/3_planification/schema_archi.pptx
+++ b/report/3_planification/schema_archi.pptx
@@ -288,7 +288,7 @@
           <a:p>
             <a:fld id="{AEE95B9C-C815-41B2-9A21-CEF2EA95B122}" type="datetimeFigureOut">
               <a:rPr lang="fr-FR" smtClean="0"/>
-              <a:t>08/12/2015</a:t>
+              <a:t>09/12/2015</a:t>
             </a:fld>
             <a:endParaRPr lang="fr-FR"/>
           </a:p>
@@ -458,7 +458,7 @@
           <a:p>
             <a:fld id="{AEE95B9C-C815-41B2-9A21-CEF2EA95B122}" type="datetimeFigureOut">
               <a:rPr lang="fr-FR" smtClean="0"/>
-              <a:t>08/12/2015</a:t>
+              <a:t>09/12/2015</a:t>
             </a:fld>
             <a:endParaRPr lang="fr-FR"/>
           </a:p>
@@ -638,7 +638,7 @@
           <a:p>
             <a:fld id="{AEE95B9C-C815-41B2-9A21-CEF2EA95B122}" type="datetimeFigureOut">
               <a:rPr lang="fr-FR" smtClean="0"/>
-              <a:t>08/12/2015</a:t>
+              <a:t>09/12/2015</a:t>
             </a:fld>
             <a:endParaRPr lang="fr-FR"/>
           </a:p>
@@ -808,7 +808,7 @@
           <a:p>
             <a:fld id="{AEE95B9C-C815-41B2-9A21-CEF2EA95B122}" type="datetimeFigureOut">
               <a:rPr lang="fr-FR" smtClean="0"/>
-              <a:t>08/12/2015</a:t>
+              <a:t>09/12/2015</a:t>
             </a:fld>
             <a:endParaRPr lang="fr-FR"/>
           </a:p>
@@ -1054,7 +1054,7 @@
           <a:p>
             <a:fld id="{AEE95B9C-C815-41B2-9A21-CEF2EA95B122}" type="datetimeFigureOut">
               <a:rPr lang="fr-FR" smtClean="0"/>
-              <a:t>08/12/2015</a:t>
+              <a:t>09/12/2015</a:t>
             </a:fld>
             <a:endParaRPr lang="fr-FR"/>
           </a:p>
@@ -1342,7 +1342,7 @@
           <a:p>
             <a:fld id="{AEE95B9C-C815-41B2-9A21-CEF2EA95B122}" type="datetimeFigureOut">
               <a:rPr lang="fr-FR" smtClean="0"/>
-              <a:t>08/12/2015</a:t>
+              <a:t>09/12/2015</a:t>
             </a:fld>
             <a:endParaRPr lang="fr-FR"/>
           </a:p>
@@ -1764,7 +1764,7 @@
           <a:p>
             <a:fld id="{AEE95B9C-C815-41B2-9A21-CEF2EA95B122}" type="datetimeFigureOut">
               <a:rPr lang="fr-FR" smtClean="0"/>
-              <a:t>08/12/2015</a:t>
+              <a:t>09/12/2015</a:t>
             </a:fld>
             <a:endParaRPr lang="fr-FR"/>
           </a:p>
@@ -1882,7 +1882,7 @@
           <a:p>
             <a:fld id="{AEE95B9C-C815-41B2-9A21-CEF2EA95B122}" type="datetimeFigureOut">
               <a:rPr lang="fr-FR" smtClean="0"/>
-              <a:t>08/12/2015</a:t>
+              <a:t>09/12/2015</a:t>
             </a:fld>
             <a:endParaRPr lang="fr-FR"/>
           </a:p>
@@ -1977,7 +1977,7 @@
           <a:p>
             <a:fld id="{AEE95B9C-C815-41B2-9A21-CEF2EA95B122}" type="datetimeFigureOut">
               <a:rPr lang="fr-FR" smtClean="0"/>
-              <a:t>08/12/2015</a:t>
+              <a:t>09/12/2015</a:t>
             </a:fld>
             <a:endParaRPr lang="fr-FR"/>
           </a:p>
@@ -2254,7 +2254,7 @@
           <a:p>
             <a:fld id="{AEE95B9C-C815-41B2-9A21-CEF2EA95B122}" type="datetimeFigureOut">
               <a:rPr lang="fr-FR" smtClean="0"/>
-              <a:t>08/12/2015</a:t>
+              <a:t>09/12/2015</a:t>
             </a:fld>
             <a:endParaRPr lang="fr-FR"/>
           </a:p>
@@ -2507,7 +2507,7 @@
           <a:p>
             <a:fld id="{AEE95B9C-C815-41B2-9A21-CEF2EA95B122}" type="datetimeFigureOut">
               <a:rPr lang="fr-FR" smtClean="0"/>
-              <a:t>08/12/2015</a:t>
+              <a:t>09/12/2015</a:t>
             </a:fld>
             <a:endParaRPr lang="fr-FR"/>
           </a:p>
@@ -2720,7 +2720,7 @@
           <a:p>
             <a:fld id="{AEE95B9C-C815-41B2-9A21-CEF2EA95B122}" type="datetimeFigureOut">
               <a:rPr lang="fr-FR" smtClean="0"/>
-              <a:t>08/12/2015</a:t>
+              <a:t>09/12/2015</a:t>
             </a:fld>
             <a:endParaRPr lang="fr-FR"/>
           </a:p>
@@ -3561,208 +3561,107 @@
           </p:txBody>
         </p:sp>
       </p:grpSp>
-      <p:grpSp>
-        <p:nvGrpSpPr>
-          <p:cNvPr id="9" name="Groupe 8"/>
-          <p:cNvGrpSpPr/>
+      <p:sp>
+        <p:nvSpPr>
+          <p:cNvPr id="15" name="ZoneTexte 14"/>
+          <p:cNvSpPr txBox="1"/>
           <p:nvPr/>
-        </p:nvGrpSpPr>
-        <p:grpSpPr>
+        </p:nvSpPr>
+        <p:spPr>
           <a:xfrm>
-            <a:off x="3831035" y="3140968"/>
-            <a:ext cx="1245021" cy="1291580"/>
-            <a:chOff x="3757594" y="3505572"/>
-            <a:chExt cx="1245021" cy="1291580"/>
+            <a:off x="3930951" y="3887524"/>
+            <a:ext cx="1245021" cy="369332"/>
           </a:xfrm>
-        </p:grpSpPr>
-        <p:sp>
-          <p:nvSpPr>
-            <p:cNvPr id="15" name="ZoneTexte 14"/>
-            <p:cNvSpPr txBox="1"/>
-            <p:nvPr/>
-          </p:nvSpPr>
-          <p:spPr>
-            <a:xfrm>
-              <a:off x="3757594" y="4427820"/>
-              <a:ext cx="1245021" cy="369332"/>
-            </a:xfrm>
-            <a:prstGeom prst="rect">
-              <a:avLst/>
-            </a:prstGeom>
-            <a:noFill/>
-          </p:spPr>
-          <p:txBody>
-            <a:bodyPr wrap="none" rtlCol="0">
-              <a:spAutoFit/>
-            </a:bodyPr>
-            <a:lstStyle/>
-            <a:p>
-              <a:pPr algn="ctr"/>
-              <a:r>
-                <a:rPr lang="fr-FR" dirty="0" smtClean="0">
-                  <a:solidFill>
-                    <a:schemeClr val="bg1">
-                      <a:lumMod val="50000"/>
-                    </a:schemeClr>
-                  </a:solidFill>
-                  <a:latin typeface="+mj-lt"/>
-                </a:rPr>
-                <a:t>Application</a:t>
-              </a:r>
-              <a:endParaRPr lang="fr-FR" dirty="0">
+          <a:prstGeom prst="rect">
+            <a:avLst/>
+          </a:prstGeom>
+          <a:noFill/>
+        </p:spPr>
+        <p:txBody>
+          <a:bodyPr wrap="none" rtlCol="0">
+            <a:spAutoFit/>
+          </a:bodyPr>
+          <a:lstStyle/>
+          <a:p>
+            <a:pPr algn="ctr"/>
+            <a:r>
+              <a:rPr lang="fr-FR" dirty="0" smtClean="0">
                 <a:solidFill>
                   <a:schemeClr val="bg1">
                     <a:lumMod val="50000"/>
                   </a:schemeClr>
                 </a:solidFill>
                 <a:latin typeface="+mj-lt"/>
-              </a:endParaRPr>
-            </a:p>
-          </p:txBody>
-        </p:sp>
-        <p:pic>
-          <p:nvPicPr>
-            <p:cNvPr id="1034" name="Picture 10" descr="yii_framework_developer_india_ezeelive2.jpg (200×200)"/>
-            <p:cNvPicPr>
-              <a:picLocks noChangeAspect="1" noChangeArrowheads="1"/>
-            </p:cNvPicPr>
-            <p:nvPr/>
-          </p:nvPicPr>
-          <p:blipFill>
-            <a:blip r:embed="rId5">
-              <a:extLst>
-                <a:ext uri="{28A0092B-C50C-407E-A947-70E740481C1C}">
-                  <a14:useLocalDpi xmlns:a14="http://schemas.microsoft.com/office/drawing/2010/main" val="0"/>
-                </a:ext>
-              </a:extLst>
-            </a:blip>
-            <a:srcRect/>
-            <a:stretch>
-              <a:fillRect/>
-            </a:stretch>
-          </p:blipFill>
-          <p:spPr bwMode="auto">
-            <a:xfrm>
-              <a:off x="3859652" y="3505572"/>
-              <a:ext cx="1040904" cy="1040904"/>
-            </a:xfrm>
-            <a:prstGeom prst="rect">
-              <a:avLst/>
-            </a:prstGeom>
-            <a:noFill/>
-            <a:extLst>
-              <a:ext uri="{909E8E84-426E-40DD-AFC4-6F175D3DCCD1}">
-                <a14:hiddenFill xmlns:a14="http://schemas.microsoft.com/office/drawing/2010/main">
-                  <a:solidFill>
-                    <a:srgbClr val="FFFFFF"/>
-                  </a:solidFill>
-                </a14:hiddenFill>
-              </a:ext>
-            </a:extLst>
-          </p:spPr>
-        </p:pic>
-      </p:grpSp>
-      <p:grpSp>
-        <p:nvGrpSpPr>
-          <p:cNvPr id="10" name="Groupe 9"/>
-          <p:cNvGrpSpPr/>
+              </a:rPr>
+              <a:t>Application</a:t>
+            </a:r>
+            <a:endParaRPr lang="fr-FR" dirty="0">
+              <a:solidFill>
+                <a:schemeClr val="bg1">
+                  <a:lumMod val="50000"/>
+                </a:schemeClr>
+              </a:solidFill>
+              <a:latin typeface="+mj-lt"/>
+            </a:endParaRPr>
+          </a:p>
+        </p:txBody>
+      </p:sp>
+      <p:sp>
+        <p:nvSpPr>
+          <p:cNvPr id="14" name="ZoneTexte 13"/>
+          <p:cNvSpPr txBox="1"/>
           <p:nvPr/>
-        </p:nvGrpSpPr>
-        <p:grpSpPr>
+        </p:nvSpPr>
+        <p:spPr>
           <a:xfrm>
-            <a:off x="876191" y="2606134"/>
-            <a:ext cx="1776448" cy="1584176"/>
-            <a:chOff x="852151" y="2348880"/>
-            <a:chExt cx="1776448" cy="1584176"/>
+            <a:off x="813972" y="3563724"/>
+            <a:ext cx="1776447" cy="369332"/>
           </a:xfrm>
-        </p:grpSpPr>
-        <p:sp>
-          <p:nvSpPr>
-            <p:cNvPr id="14" name="ZoneTexte 13"/>
-            <p:cNvSpPr txBox="1"/>
-            <p:nvPr/>
-          </p:nvSpPr>
-          <p:spPr>
-            <a:xfrm>
-              <a:off x="852151" y="3563724"/>
-              <a:ext cx="1776448" cy="369332"/>
-            </a:xfrm>
-            <a:prstGeom prst="rect">
-              <a:avLst/>
-            </a:prstGeom>
-            <a:noFill/>
-          </p:spPr>
-          <p:txBody>
-            <a:bodyPr wrap="none" rtlCol="0">
-              <a:spAutoFit/>
-            </a:bodyPr>
-            <a:lstStyle/>
-            <a:p>
-              <a:pPr algn="ctr"/>
-              <a:r>
-                <a:rPr lang="fr-FR" dirty="0" smtClean="0">
-                  <a:solidFill>
-                    <a:schemeClr val="bg1">
-                      <a:lumMod val="50000"/>
-                    </a:schemeClr>
-                  </a:solidFill>
-                  <a:latin typeface="+mj-lt"/>
-                </a:rPr>
-                <a:t>Base de données</a:t>
-              </a:r>
-              <a:endParaRPr lang="fr-FR" dirty="0">
+          <a:prstGeom prst="rect">
+            <a:avLst/>
+          </a:prstGeom>
+          <a:noFill/>
+        </p:spPr>
+        <p:txBody>
+          <a:bodyPr wrap="none" rtlCol="0">
+            <a:spAutoFit/>
+          </a:bodyPr>
+          <a:lstStyle/>
+          <a:p>
+            <a:pPr algn="ctr"/>
+            <a:r>
+              <a:rPr lang="fr-FR" dirty="0" smtClean="0">
                 <a:solidFill>
                   <a:schemeClr val="bg1">
                     <a:lumMod val="50000"/>
                   </a:schemeClr>
                 </a:solidFill>
                 <a:latin typeface="+mj-lt"/>
-              </a:endParaRPr>
-            </a:p>
-          </p:txBody>
-        </p:sp>
-        <p:pic>
-          <p:nvPicPr>
-            <p:cNvPr id="1036" name="Picture 12" descr="postgresql_1.png (468×415)"/>
-            <p:cNvPicPr>
-              <a:picLocks noChangeAspect="1" noChangeArrowheads="1"/>
-            </p:cNvPicPr>
-            <p:nvPr/>
-          </p:nvPicPr>
-          <p:blipFill>
-            <a:blip r:embed="rId6" cstate="print">
-              <a:extLst>
-                <a:ext uri="{28A0092B-C50C-407E-A947-70E740481C1C}">
-                  <a14:useLocalDpi xmlns:a14="http://schemas.microsoft.com/office/drawing/2010/main" val="0"/>
-                </a:ext>
-              </a:extLst>
-            </a:blip>
-            <a:srcRect/>
-            <a:stretch>
-              <a:fillRect/>
-            </a:stretch>
-          </p:blipFill>
-          <p:spPr bwMode="auto">
-            <a:xfrm>
-              <a:off x="1043608" y="2348880"/>
-              <a:ext cx="1393534" cy="1235720"/>
-            </a:xfrm>
-            <a:prstGeom prst="rect">
-              <a:avLst/>
-            </a:prstGeom>
-            <a:noFill/>
-            <a:extLst>
-              <a:ext uri="{909E8E84-426E-40DD-AFC4-6F175D3DCCD1}">
-                <a14:hiddenFill xmlns:a14="http://schemas.microsoft.com/office/drawing/2010/main">
-                  <a:solidFill>
-                    <a:srgbClr val="FFFFFF"/>
-                  </a:solidFill>
-                </a14:hiddenFill>
-              </a:ext>
-            </a:extLst>
-          </p:spPr>
-        </p:pic>
-      </p:grpSp>
+              </a:rPr>
+              <a:t>Base </a:t>
+            </a:r>
+            <a:r>
+              <a:rPr lang="fr-FR" dirty="0" smtClean="0">
+                <a:solidFill>
+                  <a:schemeClr val="bg1">
+                    <a:lumMod val="50000"/>
+                  </a:schemeClr>
+                </a:solidFill>
+                <a:latin typeface="+mj-lt"/>
+              </a:rPr>
+              <a:t>de données</a:t>
+            </a:r>
+            <a:endParaRPr lang="fr-FR" dirty="0">
+              <a:solidFill>
+                <a:schemeClr val="bg1">
+                  <a:lumMod val="50000"/>
+                </a:schemeClr>
+              </a:solidFill>
+              <a:latin typeface="+mj-lt"/>
+            </a:endParaRPr>
+          </a:p>
+        </p:txBody>
+      </p:sp>
       <p:cxnSp>
         <p:nvCxnSpPr>
           <p:cNvPr id="19" name="Connecteur droit avec flèche 18"/>
@@ -3803,9 +3702,9 @@
           <p:nvPr/>
         </p:nvCxnSpPr>
         <p:spPr>
-          <a:xfrm>
-            <a:off x="2569361" y="3605102"/>
-            <a:ext cx="1224136" cy="0"/>
+          <a:xfrm flipV="1">
+            <a:off x="2569361" y="3605101"/>
+            <a:ext cx="1200301" cy="2"/>
           </a:xfrm>
           <a:prstGeom prst="straightConnector1">
             <a:avLst/>
@@ -3867,15 +3766,13 @@
       <p:cxnSp>
         <p:nvCxnSpPr>
           <p:cNvPr id="36" name="Connecteur droit avec flèche 35"/>
-          <p:cNvCxnSpPr>
-            <a:stCxn id="1034" idx="3"/>
-          </p:cNvCxnSpPr>
+          <p:cNvCxnSpPr/>
           <p:nvPr/>
         </p:nvCxnSpPr>
         <p:spPr>
           <a:xfrm flipV="1">
-            <a:off x="4973997" y="3215018"/>
-            <a:ext cx="1719511" cy="446402"/>
+            <a:off x="5291512" y="3215018"/>
+            <a:ext cx="1401996" cy="478600"/>
           </a:xfrm>
           <a:prstGeom prst="straightConnector1">
             <a:avLst/>
@@ -3942,6 +3839,118 @@
               </a:solidFill>
               <a:latin typeface="+mj-lt"/>
             </a:endParaRPr>
+          </a:p>
+        </p:txBody>
+      </p:sp>
+      <p:pic>
+        <p:nvPicPr>
+          <p:cNvPr id="2" name="Picture 2" descr="http://jstricks.com/wp-content/uploads/2014/10/mongodb-gui-tools.png"/>
+          <p:cNvPicPr>
+            <a:picLocks noChangeAspect="1" noChangeArrowheads="1"/>
+          </p:cNvPicPr>
+          <p:nvPr/>
+        </p:nvPicPr>
+        <p:blipFill>
+          <a:blip r:embed="rId5" cstate="print">
+            <a:extLst>
+              <a:ext uri="{28A0092B-C50C-407E-A947-70E740481C1C}">
+                <a14:useLocalDpi xmlns:a14="http://schemas.microsoft.com/office/drawing/2010/main" val="0"/>
+              </a:ext>
+            </a:extLst>
+          </a:blip>
+          <a:srcRect/>
+          <a:stretch>
+            <a:fillRect/>
+          </a:stretch>
+        </p:blipFill>
+        <p:spPr bwMode="auto">
+          <a:xfrm>
+            <a:off x="1102164" y="2492896"/>
+            <a:ext cx="1024583" cy="1200722"/>
+          </a:xfrm>
+          <a:prstGeom prst="rect">
+            <a:avLst/>
+          </a:prstGeom>
+          <a:noFill/>
+          <a:extLst>
+            <a:ext uri="{909E8E84-426E-40DD-AFC4-6F175D3DCCD1}">
+              <a14:hiddenFill xmlns:a14="http://schemas.microsoft.com/office/drawing/2010/main">
+                <a:solidFill>
+                  <a:srgbClr val="FFFFFF"/>
+                </a:solidFill>
+              </a14:hiddenFill>
+            </a:ext>
+          </a:extLst>
+        </p:spPr>
+      </p:pic>
+      <p:pic>
+        <p:nvPicPr>
+          <p:cNvPr id="3" name="Picture 4" descr="http://blogwebdev.fr/wp-content/uploads/2015/03/1.png"/>
+          <p:cNvPicPr>
+            <a:picLocks noChangeAspect="1" noChangeArrowheads="1"/>
+          </p:cNvPicPr>
+          <p:nvPr/>
+        </p:nvPicPr>
+        <p:blipFill>
+          <a:blip r:embed="rId6" cstate="print">
+            <a:extLst>
+              <a:ext uri="{28A0092B-C50C-407E-A947-70E740481C1C}">
+                <a14:useLocalDpi xmlns:a14="http://schemas.microsoft.com/office/drawing/2010/main" val="0"/>
+              </a:ext>
+            </a:extLst>
+          </a:blip>
+          <a:srcRect/>
+          <a:stretch>
+            <a:fillRect/>
+          </a:stretch>
+        </p:blipFill>
+        <p:spPr bwMode="auto">
+          <a:xfrm>
+            <a:off x="3851920" y="3342022"/>
+            <a:ext cx="1403085" cy="526157"/>
+          </a:xfrm>
+          <a:prstGeom prst="rect">
+            <a:avLst/>
+          </a:prstGeom>
+          <a:noFill/>
+          <a:extLst>
+            <a:ext uri="{909E8E84-426E-40DD-AFC4-6F175D3DCCD1}">
+              <a14:hiddenFill xmlns:a14="http://schemas.microsoft.com/office/drawing/2010/main">
+                <a:solidFill>
+                  <a:srgbClr val="FFFFFF"/>
+                </a:solidFill>
+              </a14:hiddenFill>
+            </a:ext>
+          </a:extLst>
+        </p:spPr>
+      </p:pic>
+      <p:sp>
+        <p:nvSpPr>
+          <p:cNvPr id="21" name="ZoneTexte 20"/>
+          <p:cNvSpPr txBox="1"/>
+          <p:nvPr/>
+        </p:nvSpPr>
+        <p:spPr>
+          <a:xfrm rot="20264977">
+            <a:off x="1737011" y="2207310"/>
+            <a:ext cx="1226554" cy="369332"/>
+          </a:xfrm>
+          <a:prstGeom prst="rect">
+            <a:avLst/>
+          </a:prstGeom>
+          <a:noFill/>
+        </p:spPr>
+        <p:txBody>
+          <a:bodyPr wrap="none" rtlCol="0">
+            <a:spAutoFit/>
+          </a:bodyPr>
+          <a:lstStyle/>
+          <a:p>
+            <a:r>
+              <a:rPr lang="fr-FR" dirty="0" smtClean="0"/>
+              <a:t>Réplication</a:t>
+            </a:r>
+            <a:endParaRPr lang="fr-FR" dirty="0"/>
           </a:p>
         </p:txBody>
       </p:sp>
